--- a/Report.pptx
+++ b/Report.pptx
@@ -124,6 +124,11 @@
       </a:defRPr>
     </a:lvl9pPr>
   </p:defaultTextStyle>
+  <p:extLst>
+    <p:ext uri="{EFAFB233-063F-42B5-8137-9DF3F51BA10A}">
+      <p15:sldGuideLst xmlns:p15="http://schemas.microsoft.com/office/powerpoint/2012/main"/>
+    </p:ext>
+  </p:extLst>
 </p:presentation>
 </file>
 
@@ -8170,10 +8175,6 @@
               <a:rPr lang="en-US" dirty="0"/>
               <a:t>. In this method each gene of the offspring has a 50% change of coming from either its first parent or its second parent. </a:t>
             </a:r>
-            <a:r>
-              <a:rPr lang="en-US" dirty="0"/>
-              <a:t/>
-            </a:r>
             <a:br>
               <a:rPr lang="en-US" dirty="0"/>
             </a:br>
@@ -8357,7 +8358,6 @@
               <a:rPr lang="en-US" dirty="0"/>
               <a:t>sure that all of our mutated individuals are fully valid, never selecting a gene that doesn’t make sense. </a:t>
             </a:r>
-            <a:endParaRPr lang="en-US" dirty="0"/>
           </a:p>
         </p:txBody>
       </p:sp>
@@ -8543,7 +8543,7 @@
           <p:cNvPr id="2" name="Title 1">
             <a:extLst>
               <a:ext uri="{FF2B5EF4-FFF2-40B4-BE49-F238E27FC236}">
-                <a16:creationId xmlns:a16="http://schemas.microsoft.com/office/drawing/2014/main" xmlns="" id="{F6788696-9CC6-4FF0-AB71-843FBEE50486}"/>
+                <a16:creationId xmlns="" xmlns:a16="http://schemas.microsoft.com/office/drawing/2014/main" id="{F6788696-9CC6-4FF0-AB71-843FBEE50486}"/>
               </a:ext>
             </a:extLst>
           </p:cNvPr>
@@ -8566,11 +8566,7 @@
           <a:p>
             <a:r>
               <a:rPr lang="en-US" dirty="0" smtClean="0"/>
-              <a:t>Implementation </a:t>
-            </a:r>
-            <a:r>
-              <a:rPr lang="en-US" dirty="0" smtClean="0"/>
-              <a:t>Architecture</a:t>
+              <a:t>Implementation Architecture</a:t>
             </a:r>
             <a:endParaRPr lang="en-US" dirty="0"/>
           </a:p>
@@ -8581,7 +8577,7 @@
           <p:cNvPr id="3" name="Rectangle: Rounded Corners 2">
             <a:extLst>
               <a:ext uri="{FF2B5EF4-FFF2-40B4-BE49-F238E27FC236}">
-                <a16:creationId xmlns:a16="http://schemas.microsoft.com/office/drawing/2014/main" xmlns="" id="{6D738113-338B-47FB-AFD0-CF562D342149}"/>
+                <a16:creationId xmlns="" xmlns:a16="http://schemas.microsoft.com/office/drawing/2014/main" id="{6D738113-338B-47FB-AFD0-CF562D342149}"/>
               </a:ext>
             </a:extLst>
           </p:cNvPr>
@@ -8633,7 +8629,7 @@
           <p:cNvPr id="4" name="TextBox 3">
             <a:extLst>
               <a:ext uri="{FF2B5EF4-FFF2-40B4-BE49-F238E27FC236}">
-                <a16:creationId xmlns:a16="http://schemas.microsoft.com/office/drawing/2014/main" xmlns="" id="{846F2E76-EB57-4E35-9E09-7595D3C0B820}"/>
+                <a16:creationId xmlns="" xmlns:a16="http://schemas.microsoft.com/office/drawing/2014/main" id="{846F2E76-EB57-4E35-9E09-7595D3C0B820}"/>
               </a:ext>
             </a:extLst>
           </p:cNvPr>
@@ -8669,7 +8665,7 @@
           <p:cNvPr id="5" name="Oval 4">
             <a:extLst>
               <a:ext uri="{FF2B5EF4-FFF2-40B4-BE49-F238E27FC236}">
-                <a16:creationId xmlns:a16="http://schemas.microsoft.com/office/drawing/2014/main" xmlns="" id="{98C0BBEF-BE43-4881-8F2E-FF29C5D899A5}"/>
+                <a16:creationId xmlns="" xmlns:a16="http://schemas.microsoft.com/office/drawing/2014/main" id="{98C0BBEF-BE43-4881-8F2E-FF29C5D899A5}"/>
               </a:ext>
             </a:extLst>
           </p:cNvPr>
@@ -8721,7 +8717,7 @@
           <p:cNvPr id="10" name="Oval 9">
             <a:extLst>
               <a:ext uri="{FF2B5EF4-FFF2-40B4-BE49-F238E27FC236}">
-                <a16:creationId xmlns:a16="http://schemas.microsoft.com/office/drawing/2014/main" xmlns="" id="{5B4D4D15-C1E2-4542-A1E8-8230CE2C61F0}"/>
+                <a16:creationId xmlns="" xmlns:a16="http://schemas.microsoft.com/office/drawing/2014/main" id="{5B4D4D15-C1E2-4542-A1E8-8230CE2C61F0}"/>
               </a:ext>
             </a:extLst>
           </p:cNvPr>
@@ -8773,7 +8769,7 @@
           <p:cNvPr id="15" name="Straight Arrow Connector 14">
             <a:extLst>
               <a:ext uri="{FF2B5EF4-FFF2-40B4-BE49-F238E27FC236}">
-                <a16:creationId xmlns:a16="http://schemas.microsoft.com/office/drawing/2014/main" xmlns="" id="{45E12E78-6F6B-421B-A3EE-2904255DEFED}"/>
+                <a16:creationId xmlns="" xmlns:a16="http://schemas.microsoft.com/office/drawing/2014/main" id="{45E12E78-6F6B-421B-A3EE-2904255DEFED}"/>
               </a:ext>
             </a:extLst>
           </p:cNvPr>
@@ -8820,7 +8816,7 @@
           <p:cNvPr id="17" name="Straight Arrow Connector 16">
             <a:extLst>
               <a:ext uri="{FF2B5EF4-FFF2-40B4-BE49-F238E27FC236}">
-                <a16:creationId xmlns:a16="http://schemas.microsoft.com/office/drawing/2014/main" xmlns="" id="{838951D5-07B3-47A8-9D75-0492BDB06CA0}"/>
+                <a16:creationId xmlns="" xmlns:a16="http://schemas.microsoft.com/office/drawing/2014/main" id="{838951D5-07B3-47A8-9D75-0492BDB06CA0}"/>
               </a:ext>
             </a:extLst>
           </p:cNvPr>
@@ -8868,7 +8864,7 @@
           <p:cNvPr id="24" name="Oval 23">
             <a:extLst>
               <a:ext uri="{FF2B5EF4-FFF2-40B4-BE49-F238E27FC236}">
-                <a16:creationId xmlns:a16="http://schemas.microsoft.com/office/drawing/2014/main" xmlns="" id="{F58F085B-B7D2-4C65-B865-3C42006AFADA}"/>
+                <a16:creationId xmlns="" xmlns:a16="http://schemas.microsoft.com/office/drawing/2014/main" id="{F58F085B-B7D2-4C65-B865-3C42006AFADA}"/>
               </a:ext>
             </a:extLst>
           </p:cNvPr>
@@ -8920,7 +8916,7 @@
           <p:cNvPr id="26" name="Straight Arrow Connector 25">
             <a:extLst>
               <a:ext uri="{FF2B5EF4-FFF2-40B4-BE49-F238E27FC236}">
-                <a16:creationId xmlns:a16="http://schemas.microsoft.com/office/drawing/2014/main" xmlns="" id="{C97371BA-224A-44F9-8446-AC95552F6276}"/>
+                <a16:creationId xmlns="" xmlns:a16="http://schemas.microsoft.com/office/drawing/2014/main" id="{C97371BA-224A-44F9-8446-AC95552F6276}"/>
               </a:ext>
             </a:extLst>
           </p:cNvPr>
@@ -8968,7 +8964,7 @@
           <p:cNvPr id="27" name="TextBox 26">
             <a:extLst>
               <a:ext uri="{FF2B5EF4-FFF2-40B4-BE49-F238E27FC236}">
-                <a16:creationId xmlns:a16="http://schemas.microsoft.com/office/drawing/2014/main" xmlns="" id="{1C58A343-BF18-4D89-A5BE-2BBEA6C2CA25}"/>
+                <a16:creationId xmlns="" xmlns:a16="http://schemas.microsoft.com/office/drawing/2014/main" id="{1C58A343-BF18-4D89-A5BE-2BBEA6C2CA25}"/>
               </a:ext>
             </a:extLst>
           </p:cNvPr>
@@ -9007,7 +9003,7 @@
           <p:cNvPr id="31" name="TextBox 30">
             <a:extLst>
               <a:ext uri="{FF2B5EF4-FFF2-40B4-BE49-F238E27FC236}">
-                <a16:creationId xmlns:a16="http://schemas.microsoft.com/office/drawing/2014/main" xmlns="" id="{DD8EDCEB-C308-47DF-9D98-8CDE69A79EEF}"/>
+                <a16:creationId xmlns="" xmlns:a16="http://schemas.microsoft.com/office/drawing/2014/main" id="{DD8EDCEB-C308-47DF-9D98-8CDE69A79EEF}"/>
               </a:ext>
             </a:extLst>
           </p:cNvPr>
@@ -9046,7 +9042,7 @@
           <p:cNvPr id="33" name="TextBox 32">
             <a:extLst>
               <a:ext uri="{FF2B5EF4-FFF2-40B4-BE49-F238E27FC236}">
-                <a16:creationId xmlns:a16="http://schemas.microsoft.com/office/drawing/2014/main" xmlns="" id="{60DB728D-0C43-46F9-9930-01CD1E39B91F}"/>
+                <a16:creationId xmlns="" xmlns:a16="http://schemas.microsoft.com/office/drawing/2014/main" id="{60DB728D-0C43-46F9-9930-01CD1E39B91F}"/>
               </a:ext>
             </a:extLst>
           </p:cNvPr>
@@ -9081,7 +9077,7 @@
           <p:cNvPr id="35" name="TextBox 34">
             <a:extLst>
               <a:ext uri="{FF2B5EF4-FFF2-40B4-BE49-F238E27FC236}">
-                <a16:creationId xmlns:a16="http://schemas.microsoft.com/office/drawing/2014/main" xmlns="" id="{D78C5513-E4AF-41D8-8EFB-561043ABD80D}"/>
+                <a16:creationId xmlns="" xmlns:a16="http://schemas.microsoft.com/office/drawing/2014/main" id="{D78C5513-E4AF-41D8-8EFB-561043ABD80D}"/>
               </a:ext>
             </a:extLst>
           </p:cNvPr>
@@ -9119,7 +9115,7 @@
           <p:cNvPr id="38" name="TextBox 37">
             <a:extLst>
               <a:ext uri="{FF2B5EF4-FFF2-40B4-BE49-F238E27FC236}">
-                <a16:creationId xmlns:a16="http://schemas.microsoft.com/office/drawing/2014/main" xmlns="" id="{51DA753D-8EB2-4CB3-A592-5C7D8A458AFC}"/>
+                <a16:creationId xmlns="" xmlns:a16="http://schemas.microsoft.com/office/drawing/2014/main" id="{51DA753D-8EB2-4CB3-A592-5C7D8A458AFC}"/>
               </a:ext>
             </a:extLst>
           </p:cNvPr>
@@ -9155,7 +9151,7 @@
           <p:cNvPr id="40" name="TextBox 39">
             <a:extLst>
               <a:ext uri="{FF2B5EF4-FFF2-40B4-BE49-F238E27FC236}">
-                <a16:creationId xmlns:a16="http://schemas.microsoft.com/office/drawing/2014/main" xmlns="" id="{D67141DA-CFE1-4D0D-A433-9749912DB2AA}"/>
+                <a16:creationId xmlns="" xmlns:a16="http://schemas.microsoft.com/office/drawing/2014/main" id="{D67141DA-CFE1-4D0D-A433-9749912DB2AA}"/>
               </a:ext>
             </a:extLst>
           </p:cNvPr>
@@ -9187,7 +9183,7 @@
           <p:cNvPr id="65" name="Straight Arrow Connector 64">
             <a:extLst>
               <a:ext uri="{FF2B5EF4-FFF2-40B4-BE49-F238E27FC236}">
-                <a16:creationId xmlns:a16="http://schemas.microsoft.com/office/drawing/2014/main" xmlns="" id="{A053DD8A-EBEC-4817-BC92-9BE3AB0485C7}"/>
+                <a16:creationId xmlns="" xmlns:a16="http://schemas.microsoft.com/office/drawing/2014/main" id="{A053DD8A-EBEC-4817-BC92-9BE3AB0485C7}"/>
               </a:ext>
             </a:extLst>
           </p:cNvPr>
@@ -9229,7 +9225,7 @@
           <p:cNvPr id="69" name="Straight Arrow Connector 68">
             <a:extLst>
               <a:ext uri="{FF2B5EF4-FFF2-40B4-BE49-F238E27FC236}">
-                <a16:creationId xmlns:a16="http://schemas.microsoft.com/office/drawing/2014/main" xmlns="" id="{36825EB9-03DA-4B4F-82FC-EAB9565DF72C}"/>
+                <a16:creationId xmlns="" xmlns:a16="http://schemas.microsoft.com/office/drawing/2014/main" id="{36825EB9-03DA-4B4F-82FC-EAB9565DF72C}"/>
               </a:ext>
             </a:extLst>
           </p:cNvPr>
@@ -9271,7 +9267,7 @@
           <p:cNvPr id="79" name="TextBox 78">
             <a:extLst>
               <a:ext uri="{FF2B5EF4-FFF2-40B4-BE49-F238E27FC236}">
-                <a16:creationId xmlns:a16="http://schemas.microsoft.com/office/drawing/2014/main" xmlns="" id="{44878A3B-91A4-4D8F-8D49-5578216C20B3}"/>
+                <a16:creationId xmlns="" xmlns:a16="http://schemas.microsoft.com/office/drawing/2014/main" id="{44878A3B-91A4-4D8F-8D49-5578216C20B3}"/>
               </a:ext>
             </a:extLst>
           </p:cNvPr>
@@ -9336,7 +9332,7 @@
           <p:cNvPr id="2" name="Title 1">
             <a:extLst>
               <a:ext uri="{FF2B5EF4-FFF2-40B4-BE49-F238E27FC236}">
-                <a16:creationId xmlns:a16="http://schemas.microsoft.com/office/drawing/2014/main" xmlns="" id="{071953F5-1C01-4185-B44F-C42967794D03}"/>
+                <a16:creationId xmlns="" xmlns:a16="http://schemas.microsoft.com/office/drawing/2014/main" id="{071953F5-1C01-4185-B44F-C42967794D03}"/>
               </a:ext>
             </a:extLst>
           </p:cNvPr>
@@ -9356,7 +9352,6 @@
               <a:rPr lang="en-US" dirty="0"/>
               <a:t>Implementation Architecture</a:t>
             </a:r>
-            <a:endParaRPr lang="en-US" dirty="0"/>
           </a:p>
         </p:txBody>
       </p:sp>
@@ -9365,7 +9360,7 @@
           <p:cNvPr id="3" name="Content Placeholder 2">
             <a:extLst>
               <a:ext uri="{FF2B5EF4-FFF2-40B4-BE49-F238E27FC236}">
-                <a16:creationId xmlns:a16="http://schemas.microsoft.com/office/drawing/2014/main" xmlns="" id="{9FB41335-160D-4DFA-A4C6-AA04171705AD}"/>
+                <a16:creationId xmlns="" xmlns:a16="http://schemas.microsoft.com/office/drawing/2014/main" id="{9FB41335-160D-4DFA-A4C6-AA04171705AD}"/>
               </a:ext>
             </a:extLst>
           </p:cNvPr>
@@ -9498,7 +9493,7 @@
           <p:cNvPr id="2" name="Title 1">
             <a:extLst>
               <a:ext uri="{FF2B5EF4-FFF2-40B4-BE49-F238E27FC236}">
-                <a16:creationId xmlns:a16="http://schemas.microsoft.com/office/drawing/2014/main" xmlns="" id="{B64810A3-3DD7-4D71-BC7E-827CD522E5D9}"/>
+                <a16:creationId xmlns="" xmlns:a16="http://schemas.microsoft.com/office/drawing/2014/main" id="{B64810A3-3DD7-4D71-BC7E-827CD522E5D9}"/>
               </a:ext>
             </a:extLst>
           </p:cNvPr>
@@ -9518,7 +9513,6 @@
               <a:rPr lang="en-US" dirty="0"/>
               <a:t>Implementation Architecture</a:t>
             </a:r>
-            <a:endParaRPr lang="en-US" dirty="0"/>
           </a:p>
         </p:txBody>
       </p:sp>
@@ -9527,7 +9521,7 @@
           <p:cNvPr id="3" name="Content Placeholder 2">
             <a:extLst>
               <a:ext uri="{FF2B5EF4-FFF2-40B4-BE49-F238E27FC236}">
-                <a16:creationId xmlns:a16="http://schemas.microsoft.com/office/drawing/2014/main" xmlns="" id="{A98D1005-B053-441D-9D77-4D892C0F7BF8}"/>
+                <a16:creationId xmlns="" xmlns:a16="http://schemas.microsoft.com/office/drawing/2014/main" id="{A98D1005-B053-441D-9D77-4D892C0F7BF8}"/>
               </a:ext>
             </a:extLst>
           </p:cNvPr>
@@ -9685,7 +9679,7 @@
           <p:cNvPr id="2" name="Title 1">
             <a:extLst>
               <a:ext uri="{FF2B5EF4-FFF2-40B4-BE49-F238E27FC236}">
-                <a16:creationId xmlns:a16="http://schemas.microsoft.com/office/drawing/2014/main" xmlns="" id="{AD492592-956F-4423-888D-CB3302C57119}"/>
+                <a16:creationId xmlns="" xmlns:a16="http://schemas.microsoft.com/office/drawing/2014/main" id="{AD492592-956F-4423-888D-CB3302C57119}"/>
               </a:ext>
             </a:extLst>
           </p:cNvPr>
@@ -9719,7 +9713,7 @@
           <p:cNvPr id="3" name="Content Placeholder 2">
             <a:extLst>
               <a:ext uri="{FF2B5EF4-FFF2-40B4-BE49-F238E27FC236}">
-                <a16:creationId xmlns:a16="http://schemas.microsoft.com/office/drawing/2014/main" xmlns="" id="{62B83DEC-3B76-4272-AB92-4A60055FC0DE}"/>
+                <a16:creationId xmlns="" xmlns:a16="http://schemas.microsoft.com/office/drawing/2014/main" id="{62B83DEC-3B76-4272-AB92-4A60055FC0DE}"/>
               </a:ext>
             </a:extLst>
           </p:cNvPr>
@@ -9770,11 +9764,7 @@
             </a:pPr>
             <a:r>
               <a:rPr lang="en-US" sz="1600" dirty="0" smtClean="0"/>
-              <a:t>Calculate</a:t>
-            </a:r>
-            <a:r>
-              <a:rPr lang="en-US" sz="1600" dirty="0" smtClean="0"/>
-              <a:t> </a:t>
+              <a:t>Calculate </a:t>
             </a:r>
             <a:r>
               <a:rPr lang="en-US" sz="1600" dirty="0"/>
@@ -9807,15 +9797,7 @@
             </a:r>
             <a:r>
               <a:rPr lang="en-US" sz="1600" dirty="0" smtClean="0"/>
-              <a:t>(</a:t>
-            </a:r>
-            <a:r>
-              <a:rPr lang="en-US" sz="1600" dirty="0" smtClean="0"/>
-              <a:t>Calculate fitness score and </a:t>
-            </a:r>
-            <a:r>
-              <a:rPr lang="en-US" sz="1600" dirty="0" smtClean="0"/>
-              <a:t>Regeneration)</a:t>
+              <a:t>(Calculate fitness score and Regeneration)</a:t>
             </a:r>
           </a:p>
           <a:p>
@@ -9893,7 +9875,7 @@
           <p:cNvPr id="2" name="Title 1">
             <a:extLst>
               <a:ext uri="{FF2B5EF4-FFF2-40B4-BE49-F238E27FC236}">
-                <a16:creationId xmlns:a16="http://schemas.microsoft.com/office/drawing/2014/main" xmlns="" id="{FC5DCAAC-BE1D-4BB6-8C33-8EEE3B2A7618}"/>
+                <a16:creationId xmlns="" xmlns:a16="http://schemas.microsoft.com/office/drawing/2014/main" id="{FC5DCAAC-BE1D-4BB6-8C33-8EEE3B2A7618}"/>
               </a:ext>
             </a:extLst>
           </p:cNvPr>
@@ -9926,7 +9908,7 @@
           <p:cNvPr id="3" name="Content Placeholder 2">
             <a:extLst>
               <a:ext uri="{FF2B5EF4-FFF2-40B4-BE49-F238E27FC236}">
-                <a16:creationId xmlns:a16="http://schemas.microsoft.com/office/drawing/2014/main" xmlns="" id="{C233A721-CE9B-422F-8D0D-9994A8CD215E}"/>
+                <a16:creationId xmlns="" xmlns:a16="http://schemas.microsoft.com/office/drawing/2014/main" id="{C233A721-CE9B-422F-8D0D-9994A8CD215E}"/>
               </a:ext>
             </a:extLst>
           </p:cNvPr>
@@ -9961,15 +9943,7 @@
             </a:pPr>
             <a:r>
               <a:rPr lang="en-US" dirty="0" smtClean="0"/>
-              <a:t>Total </a:t>
-            </a:r>
-            <a:r>
-              <a:rPr lang="en-US" dirty="0" smtClean="0"/>
-              <a:t>teams</a:t>
-            </a:r>
-            <a:r>
-              <a:rPr lang="en-US" dirty="0" smtClean="0"/>
-              <a:t> </a:t>
+              <a:t>Total teams </a:t>
             </a:r>
             <a:r>
               <a:rPr lang="en-US" dirty="0"/>
@@ -10169,7 +10143,7 @@
           <p:cNvPr id="2" name="Title 1">
             <a:extLst>
               <a:ext uri="{FF2B5EF4-FFF2-40B4-BE49-F238E27FC236}">
-                <a16:creationId xmlns:a16="http://schemas.microsoft.com/office/drawing/2014/main" xmlns="" id="{927EC2F0-349D-4FA9-A25F-20B2C48640E6}"/>
+                <a16:creationId xmlns="" xmlns:a16="http://schemas.microsoft.com/office/drawing/2014/main" id="{927EC2F0-349D-4FA9-A25F-20B2C48640E6}"/>
               </a:ext>
             </a:extLst>
           </p:cNvPr>
@@ -10197,7 +10171,7 @@
           <p:cNvPr id="6" name="TextBox 5">
             <a:extLst>
               <a:ext uri="{FF2B5EF4-FFF2-40B4-BE49-F238E27FC236}">
-                <a16:creationId xmlns:a16="http://schemas.microsoft.com/office/drawing/2014/main" xmlns="" id="{1E953DD5-B33B-4C38-B23F-E980E875C4AA}"/>
+                <a16:creationId xmlns="" xmlns:a16="http://schemas.microsoft.com/office/drawing/2014/main" id="{1E953DD5-B33B-4C38-B23F-E980E875C4AA}"/>
               </a:ext>
             </a:extLst>
           </p:cNvPr>
@@ -10288,7 +10262,7 @@
           <p:cNvPr id="2" name="Title 1">
             <a:extLst>
               <a:ext uri="{FF2B5EF4-FFF2-40B4-BE49-F238E27FC236}">
-                <a16:creationId xmlns:a16="http://schemas.microsoft.com/office/drawing/2014/main" xmlns="" id="{EB1C2DCF-1C14-4A7F-A280-0B2434E3B7F4}"/>
+                <a16:creationId xmlns="" xmlns:a16="http://schemas.microsoft.com/office/drawing/2014/main" id="{EB1C2DCF-1C14-4A7F-A280-0B2434E3B7F4}"/>
               </a:ext>
             </a:extLst>
           </p:cNvPr>
@@ -10316,7 +10290,7 @@
           <p:cNvPr id="3" name="Content Placeholder 2">
             <a:extLst>
               <a:ext uri="{FF2B5EF4-FFF2-40B4-BE49-F238E27FC236}">
-                <a16:creationId xmlns:a16="http://schemas.microsoft.com/office/drawing/2014/main" xmlns="" id="{10D80A58-0FA7-41C2-9FDD-231A1DD28C9E}"/>
+                <a16:creationId xmlns="" xmlns:a16="http://schemas.microsoft.com/office/drawing/2014/main" id="{10D80A58-0FA7-41C2-9FDD-231A1DD28C9E}"/>
               </a:ext>
             </a:extLst>
           </p:cNvPr>
@@ -10443,7 +10417,7 @@
           <p:cNvPr id="2" name="Rectangle: Rounded Corners 1">
             <a:extLst>
               <a:ext uri="{FF2B5EF4-FFF2-40B4-BE49-F238E27FC236}">
-                <a16:creationId xmlns:a16="http://schemas.microsoft.com/office/drawing/2014/main" xmlns="" id="{41E9CDE4-CBF9-462F-A2DA-A10C1FCA1B4A}"/>
+                <a16:creationId xmlns="" xmlns:a16="http://schemas.microsoft.com/office/drawing/2014/main" id="{41E9CDE4-CBF9-462F-A2DA-A10C1FCA1B4A}"/>
               </a:ext>
             </a:extLst>
           </p:cNvPr>
@@ -10495,7 +10469,7 @@
           <p:cNvPr id="4" name="TextBox 3">
             <a:extLst>
               <a:ext uri="{FF2B5EF4-FFF2-40B4-BE49-F238E27FC236}">
-                <a16:creationId xmlns:a16="http://schemas.microsoft.com/office/drawing/2014/main" xmlns="" id="{38374C5F-BDBF-4BE4-9D0F-131FE36ECCBD}"/>
+                <a16:creationId xmlns="" xmlns:a16="http://schemas.microsoft.com/office/drawing/2014/main" id="{38374C5F-BDBF-4BE4-9D0F-131FE36ECCBD}"/>
               </a:ext>
             </a:extLst>
           </p:cNvPr>
@@ -10532,7 +10506,7 @@
           <p:cNvPr id="6" name="Rectangle: Rounded Corners 5">
             <a:extLst>
               <a:ext uri="{FF2B5EF4-FFF2-40B4-BE49-F238E27FC236}">
-                <a16:creationId xmlns:a16="http://schemas.microsoft.com/office/drawing/2014/main" xmlns="" id="{78A08B5C-4FB5-431F-B2DB-17007E52F20B}"/>
+                <a16:creationId xmlns="" xmlns:a16="http://schemas.microsoft.com/office/drawing/2014/main" id="{78A08B5C-4FB5-431F-B2DB-17007E52F20B}"/>
               </a:ext>
             </a:extLst>
           </p:cNvPr>
@@ -10584,7 +10558,7 @@
           <p:cNvPr id="7" name="TextBox 6">
             <a:extLst>
               <a:ext uri="{FF2B5EF4-FFF2-40B4-BE49-F238E27FC236}">
-                <a16:creationId xmlns:a16="http://schemas.microsoft.com/office/drawing/2014/main" xmlns="" id="{FA04B2B5-07CB-45B6-8FA3-2A26BDA11B54}"/>
+                <a16:creationId xmlns="" xmlns:a16="http://schemas.microsoft.com/office/drawing/2014/main" id="{FA04B2B5-07CB-45B6-8FA3-2A26BDA11B54}"/>
               </a:ext>
             </a:extLst>
           </p:cNvPr>
@@ -10620,7 +10594,6 @@
               <a:rPr lang="en-US" sz="1200" dirty="0"/>
               <a:t> create a whole season schedule.</a:t>
             </a:r>
-            <a:endParaRPr lang="en-US" sz="1200" dirty="0"/>
           </a:p>
         </p:txBody>
       </p:sp>
@@ -10629,7 +10602,7 @@
           <p:cNvPr id="8" name="Rectangle: Rounded Corners 7">
             <a:extLst>
               <a:ext uri="{FF2B5EF4-FFF2-40B4-BE49-F238E27FC236}">
-                <a16:creationId xmlns:a16="http://schemas.microsoft.com/office/drawing/2014/main" xmlns="" id="{6FFD865E-5097-4515-88FE-F3B0C80D5794}"/>
+                <a16:creationId xmlns="" xmlns:a16="http://schemas.microsoft.com/office/drawing/2014/main" id="{6FFD865E-5097-4515-88FE-F3B0C80D5794}"/>
               </a:ext>
             </a:extLst>
           </p:cNvPr>
@@ -10681,7 +10654,7 @@
           <p:cNvPr id="9" name="TextBox 8">
             <a:extLst>
               <a:ext uri="{FF2B5EF4-FFF2-40B4-BE49-F238E27FC236}">
-                <a16:creationId xmlns:a16="http://schemas.microsoft.com/office/drawing/2014/main" xmlns="" id="{B6819B51-AA8E-457B-ACFC-F02B9939897F}"/>
+                <a16:creationId xmlns="" xmlns:a16="http://schemas.microsoft.com/office/drawing/2014/main" id="{B6819B51-AA8E-457B-ACFC-F02B9939897F}"/>
               </a:ext>
             </a:extLst>
           </p:cNvPr>
@@ -10719,11 +10692,7 @@
             </a:r>
             <a:r>
               <a:rPr lang="en-US" sz="1200" dirty="0" smtClean="0"/>
-              <a:t>is </a:t>
-            </a:r>
-            <a:r>
-              <a:rPr lang="en-US" sz="1200" dirty="0" smtClean="0"/>
-              <a:t>inversely </a:t>
+              <a:t>is inversely </a:t>
             </a:r>
             <a:r>
               <a:rPr lang="en-US" sz="1200" dirty="0"/>
@@ -10738,7 +10707,7 @@
           <p:cNvPr id="10" name="Rectangle: Rounded Corners 9">
             <a:extLst>
               <a:ext uri="{FF2B5EF4-FFF2-40B4-BE49-F238E27FC236}">
-                <a16:creationId xmlns:a16="http://schemas.microsoft.com/office/drawing/2014/main" xmlns="" id="{48C2D57F-42A4-4CB4-869C-916388EF7D2D}"/>
+                <a16:creationId xmlns="" xmlns:a16="http://schemas.microsoft.com/office/drawing/2014/main" id="{48C2D57F-42A4-4CB4-869C-916388EF7D2D}"/>
               </a:ext>
             </a:extLst>
           </p:cNvPr>
@@ -10790,7 +10759,7 @@
           <p:cNvPr id="11" name="TextBox 10">
             <a:extLst>
               <a:ext uri="{FF2B5EF4-FFF2-40B4-BE49-F238E27FC236}">
-                <a16:creationId xmlns:a16="http://schemas.microsoft.com/office/drawing/2014/main" xmlns="" id="{A7865463-9B55-484D-875A-ADB60E36675E}"/>
+                <a16:creationId xmlns="" xmlns:a16="http://schemas.microsoft.com/office/drawing/2014/main" id="{A7865463-9B55-484D-875A-ADB60E36675E}"/>
               </a:ext>
             </a:extLst>
           </p:cNvPr>
@@ -10826,7 +10795,6 @@
               <a:rPr lang="en-US" sz="1200" dirty="0" smtClean="0"/>
               <a:t> parent using roulette wheel</a:t>
             </a:r>
-            <a:endParaRPr lang="en-US" sz="1200" dirty="0" smtClean="0"/>
           </a:p>
           <a:p>
             <a:pPr algn="ctr"/>
@@ -10839,7 +10807,7 @@
           <p:cNvPr id="12" name="Rectangle: Rounded Corners 11">
             <a:extLst>
               <a:ext uri="{FF2B5EF4-FFF2-40B4-BE49-F238E27FC236}">
-                <a16:creationId xmlns:a16="http://schemas.microsoft.com/office/drawing/2014/main" xmlns="" id="{12CE9439-ACD3-473F-98D6-8C426BB291C2}"/>
+                <a16:creationId xmlns="" xmlns:a16="http://schemas.microsoft.com/office/drawing/2014/main" id="{12CE9439-ACD3-473F-98D6-8C426BB291C2}"/>
               </a:ext>
             </a:extLst>
           </p:cNvPr>
@@ -10891,7 +10859,7 @@
           <p:cNvPr id="13" name="TextBox 12">
             <a:extLst>
               <a:ext uri="{FF2B5EF4-FFF2-40B4-BE49-F238E27FC236}">
-                <a16:creationId xmlns:a16="http://schemas.microsoft.com/office/drawing/2014/main" xmlns="" id="{A3EBF618-F6B0-4ACA-ABE4-375C04B21B8E}"/>
+                <a16:creationId xmlns="" xmlns:a16="http://schemas.microsoft.com/office/drawing/2014/main" id="{A3EBF618-F6B0-4ACA-ABE4-375C04B21B8E}"/>
               </a:ext>
             </a:extLst>
           </p:cNvPr>
@@ -10928,7 +10896,7 @@
           <p:cNvPr id="14" name="Rectangle: Rounded Corners 13">
             <a:extLst>
               <a:ext uri="{FF2B5EF4-FFF2-40B4-BE49-F238E27FC236}">
-                <a16:creationId xmlns:a16="http://schemas.microsoft.com/office/drawing/2014/main" xmlns="" id="{F4F60D45-0E1E-4917-902E-32C3BDE3EE78}"/>
+                <a16:creationId xmlns="" xmlns:a16="http://schemas.microsoft.com/office/drawing/2014/main" id="{F4F60D45-0E1E-4917-902E-32C3BDE3EE78}"/>
               </a:ext>
             </a:extLst>
           </p:cNvPr>
@@ -10980,7 +10948,7 @@
           <p:cNvPr id="15" name="TextBox 14">
             <a:extLst>
               <a:ext uri="{FF2B5EF4-FFF2-40B4-BE49-F238E27FC236}">
-                <a16:creationId xmlns:a16="http://schemas.microsoft.com/office/drawing/2014/main" xmlns="" id="{AB09F4B8-3C06-4327-8839-8B0365C3B548}"/>
+                <a16:creationId xmlns="" xmlns:a16="http://schemas.microsoft.com/office/drawing/2014/main" id="{AB09F4B8-3C06-4327-8839-8B0365C3B548}"/>
               </a:ext>
             </a:extLst>
           </p:cNvPr>
@@ -11017,7 +10985,7 @@
           <p:cNvPr id="25" name="Straight Connector 24">
             <a:extLst>
               <a:ext uri="{FF2B5EF4-FFF2-40B4-BE49-F238E27FC236}">
-                <a16:creationId xmlns:a16="http://schemas.microsoft.com/office/drawing/2014/main" xmlns="" id="{6852A799-F3DB-4833-8A2E-63D82CAA0C23}"/>
+                <a16:creationId xmlns="" xmlns:a16="http://schemas.microsoft.com/office/drawing/2014/main" id="{6852A799-F3DB-4833-8A2E-63D82CAA0C23}"/>
               </a:ext>
             </a:extLst>
           </p:cNvPr>
@@ -11055,7 +11023,7 @@
           <p:cNvPr id="27" name="Straight Connector 26">
             <a:extLst>
               <a:ext uri="{FF2B5EF4-FFF2-40B4-BE49-F238E27FC236}">
-                <a16:creationId xmlns:a16="http://schemas.microsoft.com/office/drawing/2014/main" xmlns="" id="{1D72EC00-2B28-4F2B-8916-5358E75C870D}"/>
+                <a16:creationId xmlns="" xmlns:a16="http://schemas.microsoft.com/office/drawing/2014/main" id="{1D72EC00-2B28-4F2B-8916-5358E75C870D}"/>
               </a:ext>
             </a:extLst>
           </p:cNvPr>
@@ -11093,7 +11061,7 @@
           <p:cNvPr id="32" name="Straight Arrow Connector 31">
             <a:extLst>
               <a:ext uri="{FF2B5EF4-FFF2-40B4-BE49-F238E27FC236}">
-                <a16:creationId xmlns:a16="http://schemas.microsoft.com/office/drawing/2014/main" xmlns="" id="{0EE7D30B-0BD2-43DB-8779-98E0BFDBB35F}"/>
+                <a16:creationId xmlns="" xmlns:a16="http://schemas.microsoft.com/office/drawing/2014/main" id="{0EE7D30B-0BD2-43DB-8779-98E0BFDBB35F}"/>
               </a:ext>
             </a:extLst>
           </p:cNvPr>
@@ -11134,7 +11102,7 @@
           <p:cNvPr id="35" name="TextBox 34">
             <a:extLst>
               <a:ext uri="{FF2B5EF4-FFF2-40B4-BE49-F238E27FC236}">
-                <a16:creationId xmlns:a16="http://schemas.microsoft.com/office/drawing/2014/main" xmlns="" id="{3569A036-BD44-4AB2-B236-3FB0BF66FBEC}"/>
+                <a16:creationId xmlns="" xmlns:a16="http://schemas.microsoft.com/office/drawing/2014/main" id="{3569A036-BD44-4AB2-B236-3FB0BF66FBEC}"/>
               </a:ext>
             </a:extLst>
           </p:cNvPr>
@@ -11177,7 +11145,7 @@
           <p:cNvPr id="41" name="Straight Arrow Connector 40">
             <a:extLst>
               <a:ext uri="{FF2B5EF4-FFF2-40B4-BE49-F238E27FC236}">
-                <a16:creationId xmlns:a16="http://schemas.microsoft.com/office/drawing/2014/main" xmlns="" id="{D89B658A-253E-4E03-85C8-2CE3DC2B9E72}"/>
+                <a16:creationId xmlns="" xmlns:a16="http://schemas.microsoft.com/office/drawing/2014/main" id="{D89B658A-253E-4E03-85C8-2CE3DC2B9E72}"/>
               </a:ext>
             </a:extLst>
           </p:cNvPr>
@@ -11225,7 +11193,7 @@
           <p:cNvPr id="43" name="Straight Arrow Connector 42">
             <a:extLst>
               <a:ext uri="{FF2B5EF4-FFF2-40B4-BE49-F238E27FC236}">
-                <a16:creationId xmlns:a16="http://schemas.microsoft.com/office/drawing/2014/main" xmlns="" id="{56C5D1B7-0514-4C11-992F-781D2C86EBDE}"/>
+                <a16:creationId xmlns="" xmlns:a16="http://schemas.microsoft.com/office/drawing/2014/main" id="{56C5D1B7-0514-4C11-992F-781D2C86EBDE}"/>
               </a:ext>
             </a:extLst>
           </p:cNvPr>
@@ -11272,7 +11240,7 @@
           <p:cNvPr id="54" name="Straight Arrow Connector 53">
             <a:extLst>
               <a:ext uri="{FF2B5EF4-FFF2-40B4-BE49-F238E27FC236}">
-                <a16:creationId xmlns:a16="http://schemas.microsoft.com/office/drawing/2014/main" xmlns="" id="{C681B337-2B97-45D2-8075-9E98DC908BAE}"/>
+                <a16:creationId xmlns="" xmlns:a16="http://schemas.microsoft.com/office/drawing/2014/main" id="{C681B337-2B97-45D2-8075-9E98DC908BAE}"/>
               </a:ext>
             </a:extLst>
           </p:cNvPr>
@@ -11319,7 +11287,7 @@
           <p:cNvPr id="57" name="Straight Arrow Connector 56">
             <a:extLst>
               <a:ext uri="{FF2B5EF4-FFF2-40B4-BE49-F238E27FC236}">
-                <a16:creationId xmlns:a16="http://schemas.microsoft.com/office/drawing/2014/main" xmlns="" id="{506788CE-F32D-4810-9A66-C724B42FFEF6}"/>
+                <a16:creationId xmlns="" xmlns:a16="http://schemas.microsoft.com/office/drawing/2014/main" id="{506788CE-F32D-4810-9A66-C724B42FFEF6}"/>
               </a:ext>
             </a:extLst>
           </p:cNvPr>
@@ -11367,7 +11335,7 @@
           <p:cNvPr id="61" name="Straight Arrow Connector 60">
             <a:extLst>
               <a:ext uri="{FF2B5EF4-FFF2-40B4-BE49-F238E27FC236}">
-                <a16:creationId xmlns:a16="http://schemas.microsoft.com/office/drawing/2014/main" xmlns="" id="{49B535D1-0DC2-47A5-91D3-9E0435E96513}"/>
+                <a16:creationId xmlns="" xmlns:a16="http://schemas.microsoft.com/office/drawing/2014/main" id="{49B535D1-0DC2-47A5-91D3-9E0435E96513}"/>
               </a:ext>
             </a:extLst>
           </p:cNvPr>
@@ -11414,7 +11382,7 @@
           <p:cNvPr id="68" name="TextBox 67">
             <a:extLst>
               <a:ext uri="{FF2B5EF4-FFF2-40B4-BE49-F238E27FC236}">
-                <a16:creationId xmlns:a16="http://schemas.microsoft.com/office/drawing/2014/main" xmlns="" id="{A7C31794-10A7-413E-BCC8-2814A163FC70}"/>
+                <a16:creationId xmlns="" xmlns:a16="http://schemas.microsoft.com/office/drawing/2014/main" id="{A7C31794-10A7-413E-BCC8-2814A163FC70}"/>
               </a:ext>
             </a:extLst>
           </p:cNvPr>
@@ -12243,8 +12211,17 @@
           <a:p>
             <a:r>
               <a:rPr lang="en-US" dirty="0" smtClean="0"/>
-              <a:t>For each Match Day we consider the following the constrains</a:t>
-            </a:r>
+              <a:t>For each Match Day we consider </a:t>
+            </a:r>
+            <a:r>
+              <a:rPr lang="en-US" dirty="0" smtClean="0"/>
+              <a:t>the </a:t>
+            </a:r>
+            <a:r>
+              <a:rPr lang="en-US" smtClean="0"/>
+              <a:t>following constraints</a:t>
+            </a:r>
+            <a:endParaRPr lang="en-US" dirty="0" smtClean="0"/>
           </a:p>
           <a:p>
             <a:pPr>
